--- a/предзащита.pptx
+++ b/предзащита.pptx
@@ -2,7 +2,7 @@
 <file path=ppt/presentation.xml><?xml version="1.0" encoding="utf-8"?>
 <p:presentation xmlns:a="http://schemas.openxmlformats.org/drawingml/2006/main" xmlns:r="http://schemas.openxmlformats.org/officeDocument/2006/relationships" xmlns:p="http://schemas.openxmlformats.org/presentationml/2006/main" saveSubsetFonts="1">
   <p:sldMasterIdLst>
-    <p:sldMasterId id="2147483648" r:id="rId1"/>
+    <p:sldMasterId id="2147483790" r:id="rId1"/>
   </p:sldMasterIdLst>
   <p:notesMasterIdLst>
     <p:notesMasterId r:id="rId18"/>
@@ -29,9 +29,9 @@
   <p:notesSz cx="6858000" cy="9144000"/>
   <p:defaultTextStyle>
     <a:defPPr>
-      <a:defRPr lang="ru-RU"/>
+      <a:defRPr lang="en-US"/>
     </a:defPPr>
-    <a:lvl1pPr marL="0" algn="l" defTabSz="914400" rtl="0" eaLnBrk="1" latinLnBrk="0" hangingPunct="1">
+    <a:lvl1pPr marL="0" algn="l" defTabSz="457200" rtl="0" eaLnBrk="1" latinLnBrk="0" hangingPunct="1">
       <a:defRPr sz="1800" kern="1200">
         <a:solidFill>
           <a:schemeClr val="tx1"/>
@@ -41,7 +41,7 @@
         <a:cs typeface="+mn-cs"/>
       </a:defRPr>
     </a:lvl1pPr>
-    <a:lvl2pPr marL="457200" algn="l" defTabSz="914400" rtl="0" eaLnBrk="1" latinLnBrk="0" hangingPunct="1">
+    <a:lvl2pPr marL="457200" algn="l" defTabSz="457200" rtl="0" eaLnBrk="1" latinLnBrk="0" hangingPunct="1">
       <a:defRPr sz="1800" kern="1200">
         <a:solidFill>
           <a:schemeClr val="tx1"/>
@@ -51,7 +51,7 @@
         <a:cs typeface="+mn-cs"/>
       </a:defRPr>
     </a:lvl2pPr>
-    <a:lvl3pPr marL="914400" algn="l" defTabSz="914400" rtl="0" eaLnBrk="1" latinLnBrk="0" hangingPunct="1">
+    <a:lvl3pPr marL="914400" algn="l" defTabSz="457200" rtl="0" eaLnBrk="1" latinLnBrk="0" hangingPunct="1">
       <a:defRPr sz="1800" kern="1200">
         <a:solidFill>
           <a:schemeClr val="tx1"/>
@@ -61,7 +61,7 @@
         <a:cs typeface="+mn-cs"/>
       </a:defRPr>
     </a:lvl3pPr>
-    <a:lvl4pPr marL="1371600" algn="l" defTabSz="914400" rtl="0" eaLnBrk="1" latinLnBrk="0" hangingPunct="1">
+    <a:lvl4pPr marL="1371600" algn="l" defTabSz="457200" rtl="0" eaLnBrk="1" latinLnBrk="0" hangingPunct="1">
       <a:defRPr sz="1800" kern="1200">
         <a:solidFill>
           <a:schemeClr val="tx1"/>
@@ -71,7 +71,7 @@
         <a:cs typeface="+mn-cs"/>
       </a:defRPr>
     </a:lvl4pPr>
-    <a:lvl5pPr marL="1828800" algn="l" defTabSz="914400" rtl="0" eaLnBrk="1" latinLnBrk="0" hangingPunct="1">
+    <a:lvl5pPr marL="1828800" algn="l" defTabSz="457200" rtl="0" eaLnBrk="1" latinLnBrk="0" hangingPunct="1">
       <a:defRPr sz="1800" kern="1200">
         <a:solidFill>
           <a:schemeClr val="tx1"/>
@@ -81,7 +81,7 @@
         <a:cs typeface="+mn-cs"/>
       </a:defRPr>
     </a:lvl5pPr>
-    <a:lvl6pPr marL="2286000" algn="l" defTabSz="914400" rtl="0" eaLnBrk="1" latinLnBrk="0" hangingPunct="1">
+    <a:lvl6pPr marL="2286000" algn="l" defTabSz="457200" rtl="0" eaLnBrk="1" latinLnBrk="0" hangingPunct="1">
       <a:defRPr sz="1800" kern="1200">
         <a:solidFill>
           <a:schemeClr val="tx1"/>
@@ -91,7 +91,7 @@
         <a:cs typeface="+mn-cs"/>
       </a:defRPr>
     </a:lvl6pPr>
-    <a:lvl7pPr marL="2743200" algn="l" defTabSz="914400" rtl="0" eaLnBrk="1" latinLnBrk="0" hangingPunct="1">
+    <a:lvl7pPr marL="2743200" algn="l" defTabSz="457200" rtl="0" eaLnBrk="1" latinLnBrk="0" hangingPunct="1">
       <a:defRPr sz="1800" kern="1200">
         <a:solidFill>
           <a:schemeClr val="tx1"/>
@@ -101,7 +101,7 @@
         <a:cs typeface="+mn-cs"/>
       </a:defRPr>
     </a:lvl7pPr>
-    <a:lvl8pPr marL="3200400" algn="l" defTabSz="914400" rtl="0" eaLnBrk="1" latinLnBrk="0" hangingPunct="1">
+    <a:lvl8pPr marL="3200400" algn="l" defTabSz="457200" rtl="0" eaLnBrk="1" latinLnBrk="0" hangingPunct="1">
       <a:defRPr sz="1800" kern="1200">
         <a:solidFill>
           <a:schemeClr val="tx1"/>
@@ -111,7 +111,7 @@
         <a:cs typeface="+mn-cs"/>
       </a:defRPr>
     </a:lvl8pPr>
-    <a:lvl9pPr marL="3657600" algn="l" defTabSz="914400" rtl="0" eaLnBrk="1" latinLnBrk="0" hangingPunct="1">
+    <a:lvl9pPr marL="3657600" algn="l" defTabSz="457200" rtl="0" eaLnBrk="1" latinLnBrk="0" hangingPunct="1">
       <a:defRPr sz="1800" kern="1200">
         <a:solidFill>
           <a:schemeClr val="tx1"/>
@@ -499,7 +499,7 @@
       </p:grpSpPr>
       <p:sp>
         <p:nvSpPr>
-          <p:cNvPr id="2" name="Заголовок 1"/>
+          <p:cNvPr id="2" name="Title 1"/>
           <p:cNvSpPr>
             <a:spLocks noGrp="1"/>
           </p:cNvSpPr>
@@ -525,13 +525,13 @@
               <a:rPr lang="ru-RU" smtClean="0"/>
               <a:t>Образец заголовка</a:t>
             </a:r>
-            <a:endParaRPr lang="ru-RU"/>
-          </a:p>
-        </p:txBody>
-      </p:sp>
-      <p:sp>
-        <p:nvSpPr>
-          <p:cNvPr id="3" name="Подзаголовок 2"/>
+            <a:endParaRPr lang="en-US" dirty="0"/>
+          </a:p>
+        </p:txBody>
+      </p:sp>
+      <p:sp>
+        <p:nvSpPr>
+          <p:cNvPr id="3" name="Subtitle 2"/>
           <p:cNvSpPr>
             <a:spLocks noGrp="1"/>
           </p:cNvSpPr>
@@ -590,13 +590,13 @@
               <a:rPr lang="ru-RU" smtClean="0"/>
               <a:t>Образец подзаголовка</a:t>
             </a:r>
-            <a:endParaRPr lang="ru-RU"/>
-          </a:p>
-        </p:txBody>
-      </p:sp>
-      <p:sp>
-        <p:nvSpPr>
-          <p:cNvPr id="4" name="Дата 3"/>
+            <a:endParaRPr lang="en-US" dirty="0"/>
+          </a:p>
+        </p:txBody>
+      </p:sp>
+      <p:sp>
+        <p:nvSpPr>
+          <p:cNvPr id="4" name="Date Placeholder 3"/>
           <p:cNvSpPr>
             <a:spLocks noGrp="1"/>
           </p:cNvSpPr>
@@ -619,7 +619,7 @@
       </p:sp>
       <p:sp>
         <p:nvSpPr>
-          <p:cNvPr id="5" name="Нижний колонтитул 4"/>
+          <p:cNvPr id="5" name="Footer Placeholder 4"/>
           <p:cNvSpPr>
             <a:spLocks noGrp="1"/>
           </p:cNvSpPr>
@@ -638,7 +638,7 @@
       </p:sp>
       <p:sp>
         <p:nvSpPr>
-          <p:cNvPr id="6" name="Номер слайда 5"/>
+          <p:cNvPr id="6" name="Slide Number Placeholder 5"/>
           <p:cNvSpPr>
             <a:spLocks noGrp="1"/>
           </p:cNvSpPr>
@@ -662,7 +662,7 @@
     </p:spTree>
     <p:extLst>
       <p:ext uri="{BB962C8B-B14F-4D97-AF65-F5344CB8AC3E}">
-        <p14:creationId xmlns:p14="http://schemas.microsoft.com/office/powerpoint/2010/main" val="2799691311"/>
+        <p14:creationId xmlns:p14="http://schemas.microsoft.com/office/powerpoint/2010/main" val="1776246913"/>
       </p:ext>
     </p:extLst>
   </p:cSld>
@@ -691,7 +691,7 @@
       </p:grpSpPr>
       <p:sp>
         <p:nvSpPr>
-          <p:cNvPr id="2" name="Заголовок 1"/>
+          <p:cNvPr id="2" name="Title 1"/>
           <p:cNvSpPr>
             <a:spLocks noGrp="1"/>
           </p:cNvSpPr>
@@ -708,13 +708,13 @@
               <a:rPr lang="ru-RU" smtClean="0"/>
               <a:t>Образец заголовка</a:t>
             </a:r>
-            <a:endParaRPr lang="ru-RU"/>
-          </a:p>
-        </p:txBody>
-      </p:sp>
-      <p:sp>
-        <p:nvSpPr>
-          <p:cNvPr id="3" name="Вертикальный текст 2"/>
+            <a:endParaRPr lang="en-US" dirty="0"/>
+          </a:p>
+        </p:txBody>
+      </p:sp>
+      <p:sp>
+        <p:nvSpPr>
+          <p:cNvPr id="3" name="Vertical Text Placeholder 2"/>
           <p:cNvSpPr>
             <a:spLocks noGrp="1"/>
           </p:cNvSpPr>
@@ -760,13 +760,13 @@
               <a:rPr lang="ru-RU" smtClean="0"/>
               <a:t>Пятый уровень</a:t>
             </a:r>
-            <a:endParaRPr lang="ru-RU"/>
-          </a:p>
-        </p:txBody>
-      </p:sp>
-      <p:sp>
-        <p:nvSpPr>
-          <p:cNvPr id="4" name="Дата 3"/>
+            <a:endParaRPr lang="en-US" dirty="0"/>
+          </a:p>
+        </p:txBody>
+      </p:sp>
+      <p:sp>
+        <p:nvSpPr>
+          <p:cNvPr id="4" name="Date Placeholder 3"/>
           <p:cNvSpPr>
             <a:spLocks noGrp="1"/>
           </p:cNvSpPr>
@@ -789,7 +789,7 @@
       </p:sp>
       <p:sp>
         <p:nvSpPr>
-          <p:cNvPr id="5" name="Нижний колонтитул 4"/>
+          <p:cNvPr id="5" name="Footer Placeholder 4"/>
           <p:cNvSpPr>
             <a:spLocks noGrp="1"/>
           </p:cNvSpPr>
@@ -808,7 +808,7 @@
       </p:sp>
       <p:sp>
         <p:nvSpPr>
-          <p:cNvPr id="6" name="Номер слайда 5"/>
+          <p:cNvPr id="6" name="Slide Number Placeholder 5"/>
           <p:cNvSpPr>
             <a:spLocks noGrp="1"/>
           </p:cNvSpPr>
@@ -832,7 +832,7 @@
     </p:spTree>
     <p:extLst>
       <p:ext uri="{BB962C8B-B14F-4D97-AF65-F5344CB8AC3E}">
-        <p14:creationId xmlns:p14="http://schemas.microsoft.com/office/powerpoint/2010/main" val="184840195"/>
+        <p14:creationId xmlns:p14="http://schemas.microsoft.com/office/powerpoint/2010/main" val="4223181823"/>
       </p:ext>
     </p:extLst>
   </p:cSld>
@@ -861,7 +861,7 @@
       </p:grpSpPr>
       <p:sp>
         <p:nvSpPr>
-          <p:cNvPr id="2" name="Вертикальный заголовок 1"/>
+          <p:cNvPr id="2" name="Vertical Title 1"/>
           <p:cNvSpPr>
             <a:spLocks noGrp="1"/>
           </p:cNvSpPr>
@@ -883,13 +883,13 @@
               <a:rPr lang="ru-RU" smtClean="0"/>
               <a:t>Образец заголовка</a:t>
             </a:r>
-            <a:endParaRPr lang="ru-RU"/>
-          </a:p>
-        </p:txBody>
-      </p:sp>
-      <p:sp>
-        <p:nvSpPr>
-          <p:cNvPr id="3" name="Вертикальный текст 2"/>
+            <a:endParaRPr lang="en-US" dirty="0"/>
+          </a:p>
+        </p:txBody>
+      </p:sp>
+      <p:sp>
+        <p:nvSpPr>
+          <p:cNvPr id="3" name="Vertical Text Placeholder 2"/>
           <p:cNvSpPr>
             <a:spLocks noGrp="1"/>
           </p:cNvSpPr>
@@ -940,13 +940,13 @@
               <a:rPr lang="ru-RU" smtClean="0"/>
               <a:t>Пятый уровень</a:t>
             </a:r>
-            <a:endParaRPr lang="ru-RU"/>
-          </a:p>
-        </p:txBody>
-      </p:sp>
-      <p:sp>
-        <p:nvSpPr>
-          <p:cNvPr id="4" name="Дата 3"/>
+            <a:endParaRPr lang="en-US" dirty="0"/>
+          </a:p>
+        </p:txBody>
+      </p:sp>
+      <p:sp>
+        <p:nvSpPr>
+          <p:cNvPr id="4" name="Date Placeholder 3"/>
           <p:cNvSpPr>
             <a:spLocks noGrp="1"/>
           </p:cNvSpPr>
@@ -969,7 +969,7 @@
       </p:sp>
       <p:sp>
         <p:nvSpPr>
-          <p:cNvPr id="5" name="Нижний колонтитул 4"/>
+          <p:cNvPr id="5" name="Footer Placeholder 4"/>
           <p:cNvSpPr>
             <a:spLocks noGrp="1"/>
           </p:cNvSpPr>
@@ -988,7 +988,7 @@
       </p:sp>
       <p:sp>
         <p:nvSpPr>
-          <p:cNvPr id="6" name="Номер слайда 5"/>
+          <p:cNvPr id="6" name="Slide Number Placeholder 5"/>
           <p:cNvSpPr>
             <a:spLocks noGrp="1"/>
           </p:cNvSpPr>
@@ -1012,7 +1012,7 @@
     </p:spTree>
     <p:extLst>
       <p:ext uri="{BB962C8B-B14F-4D97-AF65-F5344CB8AC3E}">
-        <p14:creationId xmlns:p14="http://schemas.microsoft.com/office/powerpoint/2010/main" val="1202697761"/>
+        <p14:creationId xmlns:p14="http://schemas.microsoft.com/office/powerpoint/2010/main" val="307091258"/>
       </p:ext>
     </p:extLst>
   </p:cSld>
@@ -1041,7 +1041,7 @@
       </p:grpSpPr>
       <p:sp>
         <p:nvSpPr>
-          <p:cNvPr id="2" name="Заголовок 1"/>
+          <p:cNvPr id="2" name="Title 1"/>
           <p:cNvSpPr>
             <a:spLocks noGrp="1"/>
           </p:cNvSpPr>
@@ -1058,13 +1058,13 @@
               <a:rPr lang="ru-RU" smtClean="0"/>
               <a:t>Образец заголовка</a:t>
             </a:r>
-            <a:endParaRPr lang="ru-RU"/>
-          </a:p>
-        </p:txBody>
-      </p:sp>
-      <p:sp>
-        <p:nvSpPr>
-          <p:cNvPr id="3" name="Объект 2"/>
+            <a:endParaRPr lang="en-US" dirty="0"/>
+          </a:p>
+        </p:txBody>
+      </p:sp>
+      <p:sp>
+        <p:nvSpPr>
+          <p:cNvPr id="3" name="Content Placeholder 2"/>
           <p:cNvSpPr>
             <a:spLocks noGrp="1"/>
           </p:cNvSpPr>
@@ -1110,13 +1110,13 @@
               <a:rPr lang="ru-RU" smtClean="0"/>
               <a:t>Пятый уровень</a:t>
             </a:r>
-            <a:endParaRPr lang="ru-RU"/>
-          </a:p>
-        </p:txBody>
-      </p:sp>
-      <p:sp>
-        <p:nvSpPr>
-          <p:cNvPr id="4" name="Дата 3"/>
+            <a:endParaRPr lang="en-US" dirty="0"/>
+          </a:p>
+        </p:txBody>
+      </p:sp>
+      <p:sp>
+        <p:nvSpPr>
+          <p:cNvPr id="4" name="Date Placeholder 3"/>
           <p:cNvSpPr>
             <a:spLocks noGrp="1"/>
           </p:cNvSpPr>
@@ -1139,7 +1139,7 @@
       </p:sp>
       <p:sp>
         <p:nvSpPr>
-          <p:cNvPr id="5" name="Нижний колонтитул 4"/>
+          <p:cNvPr id="5" name="Footer Placeholder 4"/>
           <p:cNvSpPr>
             <a:spLocks noGrp="1"/>
           </p:cNvSpPr>
@@ -1158,7 +1158,7 @@
       </p:sp>
       <p:sp>
         <p:nvSpPr>
-          <p:cNvPr id="6" name="Номер слайда 5"/>
+          <p:cNvPr id="6" name="Slide Number Placeholder 5"/>
           <p:cNvSpPr>
             <a:spLocks noGrp="1"/>
           </p:cNvSpPr>
@@ -1182,7 +1182,7 @@
     </p:spTree>
     <p:extLst>
       <p:ext uri="{BB962C8B-B14F-4D97-AF65-F5344CB8AC3E}">
-        <p14:creationId xmlns:p14="http://schemas.microsoft.com/office/powerpoint/2010/main" val="3001168732"/>
+        <p14:creationId xmlns:p14="http://schemas.microsoft.com/office/powerpoint/2010/main" val="1739337166"/>
       </p:ext>
     </p:extLst>
   </p:cSld>
@@ -1211,7 +1211,7 @@
       </p:grpSpPr>
       <p:sp>
         <p:nvSpPr>
-          <p:cNvPr id="2" name="Заголовок 1"/>
+          <p:cNvPr id="2" name="Title 1"/>
           <p:cNvSpPr>
             <a:spLocks noGrp="1"/>
           </p:cNvSpPr>
@@ -1237,13 +1237,13 @@
               <a:rPr lang="ru-RU" smtClean="0"/>
               <a:t>Образец заголовка</a:t>
             </a:r>
-            <a:endParaRPr lang="ru-RU"/>
-          </a:p>
-        </p:txBody>
-      </p:sp>
-      <p:sp>
-        <p:nvSpPr>
-          <p:cNvPr id="3" name="Текст 2"/>
+            <a:endParaRPr lang="en-US" dirty="0"/>
+          </a:p>
+        </p:txBody>
+      </p:sp>
+      <p:sp>
+        <p:nvSpPr>
+          <p:cNvPr id="3" name="Text Placeholder 2"/>
           <p:cNvSpPr>
             <a:spLocks noGrp="1"/>
           </p:cNvSpPr>
@@ -1362,7 +1362,7 @@
       </p:sp>
       <p:sp>
         <p:nvSpPr>
-          <p:cNvPr id="4" name="Дата 3"/>
+          <p:cNvPr id="4" name="Date Placeholder 3"/>
           <p:cNvSpPr>
             <a:spLocks noGrp="1"/>
           </p:cNvSpPr>
@@ -1385,7 +1385,7 @@
       </p:sp>
       <p:sp>
         <p:nvSpPr>
-          <p:cNvPr id="5" name="Нижний колонтитул 4"/>
+          <p:cNvPr id="5" name="Footer Placeholder 4"/>
           <p:cNvSpPr>
             <a:spLocks noGrp="1"/>
           </p:cNvSpPr>
@@ -1404,7 +1404,7 @@
       </p:sp>
       <p:sp>
         <p:nvSpPr>
-          <p:cNvPr id="6" name="Номер слайда 5"/>
+          <p:cNvPr id="6" name="Slide Number Placeholder 5"/>
           <p:cNvSpPr>
             <a:spLocks noGrp="1"/>
           </p:cNvSpPr>
@@ -1428,7 +1428,7 @@
     </p:spTree>
     <p:extLst>
       <p:ext uri="{BB962C8B-B14F-4D97-AF65-F5344CB8AC3E}">
-        <p14:creationId xmlns:p14="http://schemas.microsoft.com/office/powerpoint/2010/main" val="2017902186"/>
+        <p14:creationId xmlns:p14="http://schemas.microsoft.com/office/powerpoint/2010/main" val="1348766416"/>
       </p:ext>
     </p:extLst>
   </p:cSld>
@@ -1457,7 +1457,7 @@
       </p:grpSpPr>
       <p:sp>
         <p:nvSpPr>
-          <p:cNvPr id="2" name="Заголовок 1"/>
+          <p:cNvPr id="2" name="Title 1"/>
           <p:cNvSpPr>
             <a:spLocks noGrp="1"/>
           </p:cNvSpPr>
@@ -1474,13 +1474,13 @@
               <a:rPr lang="ru-RU" smtClean="0"/>
               <a:t>Образец заголовка</a:t>
             </a:r>
-            <a:endParaRPr lang="ru-RU"/>
-          </a:p>
-        </p:txBody>
-      </p:sp>
-      <p:sp>
-        <p:nvSpPr>
-          <p:cNvPr id="3" name="Объект 2"/>
+            <a:endParaRPr lang="en-US" dirty="0"/>
+          </a:p>
+        </p:txBody>
+      </p:sp>
+      <p:sp>
+        <p:nvSpPr>
+          <p:cNvPr id="3" name="Content Placeholder 2"/>
           <p:cNvSpPr>
             <a:spLocks noGrp="1"/>
           </p:cNvSpPr>
@@ -1531,13 +1531,13 @@
               <a:rPr lang="ru-RU" smtClean="0"/>
               <a:t>Пятый уровень</a:t>
             </a:r>
-            <a:endParaRPr lang="ru-RU"/>
-          </a:p>
-        </p:txBody>
-      </p:sp>
-      <p:sp>
-        <p:nvSpPr>
-          <p:cNvPr id="4" name="Объект 3"/>
+            <a:endParaRPr lang="en-US" dirty="0"/>
+          </a:p>
+        </p:txBody>
+      </p:sp>
+      <p:sp>
+        <p:nvSpPr>
+          <p:cNvPr id="4" name="Content Placeholder 3"/>
           <p:cNvSpPr>
             <a:spLocks noGrp="1"/>
           </p:cNvSpPr>
@@ -1588,13 +1588,13 @@
               <a:rPr lang="ru-RU" smtClean="0"/>
               <a:t>Пятый уровень</a:t>
             </a:r>
-            <a:endParaRPr lang="ru-RU"/>
-          </a:p>
-        </p:txBody>
-      </p:sp>
-      <p:sp>
-        <p:nvSpPr>
-          <p:cNvPr id="5" name="Дата 4"/>
+            <a:endParaRPr lang="en-US" dirty="0"/>
+          </a:p>
+        </p:txBody>
+      </p:sp>
+      <p:sp>
+        <p:nvSpPr>
+          <p:cNvPr id="5" name="Date Placeholder 4"/>
           <p:cNvSpPr>
             <a:spLocks noGrp="1"/>
           </p:cNvSpPr>
@@ -1617,7 +1617,7 @@
       </p:sp>
       <p:sp>
         <p:nvSpPr>
-          <p:cNvPr id="6" name="Нижний колонтитул 5"/>
+          <p:cNvPr id="6" name="Footer Placeholder 5"/>
           <p:cNvSpPr>
             <a:spLocks noGrp="1"/>
           </p:cNvSpPr>
@@ -1636,7 +1636,7 @@
       </p:sp>
       <p:sp>
         <p:nvSpPr>
-          <p:cNvPr id="7" name="Номер слайда 6"/>
+          <p:cNvPr id="7" name="Slide Number Placeholder 6"/>
           <p:cNvSpPr>
             <a:spLocks noGrp="1"/>
           </p:cNvSpPr>
@@ -1660,7 +1660,7 @@
     </p:spTree>
     <p:extLst>
       <p:ext uri="{BB962C8B-B14F-4D97-AF65-F5344CB8AC3E}">
-        <p14:creationId xmlns:p14="http://schemas.microsoft.com/office/powerpoint/2010/main" val="1976323382"/>
+        <p14:creationId xmlns:p14="http://schemas.microsoft.com/office/powerpoint/2010/main" val="2263161860"/>
       </p:ext>
     </p:extLst>
   </p:cSld>
@@ -1689,7 +1689,7 @@
       </p:grpSpPr>
       <p:sp>
         <p:nvSpPr>
-          <p:cNvPr id="2" name="Заголовок 1"/>
+          <p:cNvPr id="2" name="Title 1"/>
           <p:cNvSpPr>
             <a:spLocks noGrp="1"/>
           </p:cNvSpPr>
@@ -1711,13 +1711,13 @@
               <a:rPr lang="ru-RU" smtClean="0"/>
               <a:t>Образец заголовка</a:t>
             </a:r>
-            <a:endParaRPr lang="ru-RU"/>
-          </a:p>
-        </p:txBody>
-      </p:sp>
-      <p:sp>
-        <p:nvSpPr>
-          <p:cNvPr id="3" name="Текст 2"/>
+            <a:endParaRPr lang="en-US" dirty="0"/>
+          </a:p>
+        </p:txBody>
+      </p:sp>
+      <p:sp>
+        <p:nvSpPr>
+          <p:cNvPr id="3" name="Text Placeholder 2"/>
           <p:cNvSpPr>
             <a:spLocks noGrp="1"/>
           </p:cNvSpPr>
@@ -1782,7 +1782,7 @@
       </p:sp>
       <p:sp>
         <p:nvSpPr>
-          <p:cNvPr id="4" name="Объект 3"/>
+          <p:cNvPr id="4" name="Content Placeholder 3"/>
           <p:cNvSpPr>
             <a:spLocks noGrp="1"/>
           </p:cNvSpPr>
@@ -1833,13 +1833,13 @@
               <a:rPr lang="ru-RU" smtClean="0"/>
               <a:t>Пятый уровень</a:t>
             </a:r>
-            <a:endParaRPr lang="ru-RU"/>
-          </a:p>
-        </p:txBody>
-      </p:sp>
-      <p:sp>
-        <p:nvSpPr>
-          <p:cNvPr id="5" name="Текст 4"/>
+            <a:endParaRPr lang="en-US" dirty="0"/>
+          </a:p>
+        </p:txBody>
+      </p:sp>
+      <p:sp>
+        <p:nvSpPr>
+          <p:cNvPr id="5" name="Text Placeholder 4"/>
           <p:cNvSpPr>
             <a:spLocks noGrp="1"/>
           </p:cNvSpPr>
@@ -1904,7 +1904,7 @@
       </p:sp>
       <p:sp>
         <p:nvSpPr>
-          <p:cNvPr id="6" name="Объект 5"/>
+          <p:cNvPr id="6" name="Content Placeholder 5"/>
           <p:cNvSpPr>
             <a:spLocks noGrp="1"/>
           </p:cNvSpPr>
@@ -1955,13 +1955,13 @@
               <a:rPr lang="ru-RU" smtClean="0"/>
               <a:t>Пятый уровень</a:t>
             </a:r>
-            <a:endParaRPr lang="ru-RU"/>
-          </a:p>
-        </p:txBody>
-      </p:sp>
-      <p:sp>
-        <p:nvSpPr>
-          <p:cNvPr id="7" name="Дата 6"/>
+            <a:endParaRPr lang="en-US" dirty="0"/>
+          </a:p>
+        </p:txBody>
+      </p:sp>
+      <p:sp>
+        <p:nvSpPr>
+          <p:cNvPr id="7" name="Date Placeholder 6"/>
           <p:cNvSpPr>
             <a:spLocks noGrp="1"/>
           </p:cNvSpPr>
@@ -1984,7 +1984,7 @@
       </p:sp>
       <p:sp>
         <p:nvSpPr>
-          <p:cNvPr id="8" name="Нижний колонтитул 7"/>
+          <p:cNvPr id="8" name="Footer Placeholder 7"/>
           <p:cNvSpPr>
             <a:spLocks noGrp="1"/>
           </p:cNvSpPr>
@@ -2003,7 +2003,7 @@
       </p:sp>
       <p:sp>
         <p:nvSpPr>
-          <p:cNvPr id="9" name="Номер слайда 8"/>
+          <p:cNvPr id="9" name="Slide Number Placeholder 8"/>
           <p:cNvSpPr>
             <a:spLocks noGrp="1"/>
           </p:cNvSpPr>
@@ -2027,7 +2027,7 @@
     </p:spTree>
     <p:extLst>
       <p:ext uri="{BB962C8B-B14F-4D97-AF65-F5344CB8AC3E}">
-        <p14:creationId xmlns:p14="http://schemas.microsoft.com/office/powerpoint/2010/main" val="2170975199"/>
+        <p14:creationId xmlns:p14="http://schemas.microsoft.com/office/powerpoint/2010/main" val="3598651028"/>
       </p:ext>
     </p:extLst>
   </p:cSld>
@@ -2056,7 +2056,7 @@
       </p:grpSpPr>
       <p:sp>
         <p:nvSpPr>
-          <p:cNvPr id="2" name="Заголовок 1"/>
+          <p:cNvPr id="2" name="Title 1"/>
           <p:cNvSpPr>
             <a:spLocks noGrp="1"/>
           </p:cNvSpPr>
@@ -2073,13 +2073,13 @@
               <a:rPr lang="ru-RU" smtClean="0"/>
               <a:t>Образец заголовка</a:t>
             </a:r>
-            <a:endParaRPr lang="ru-RU"/>
-          </a:p>
-        </p:txBody>
-      </p:sp>
-      <p:sp>
-        <p:nvSpPr>
-          <p:cNvPr id="3" name="Дата 2"/>
+            <a:endParaRPr lang="en-US" dirty="0"/>
+          </a:p>
+        </p:txBody>
+      </p:sp>
+      <p:sp>
+        <p:nvSpPr>
+          <p:cNvPr id="3" name="Date Placeholder 2"/>
           <p:cNvSpPr>
             <a:spLocks noGrp="1"/>
           </p:cNvSpPr>
@@ -2102,7 +2102,7 @@
       </p:sp>
       <p:sp>
         <p:nvSpPr>
-          <p:cNvPr id="4" name="Нижний колонтитул 3"/>
+          <p:cNvPr id="4" name="Footer Placeholder 3"/>
           <p:cNvSpPr>
             <a:spLocks noGrp="1"/>
           </p:cNvSpPr>
@@ -2121,7 +2121,7 @@
       </p:sp>
       <p:sp>
         <p:nvSpPr>
-          <p:cNvPr id="5" name="Номер слайда 4"/>
+          <p:cNvPr id="5" name="Slide Number Placeholder 4"/>
           <p:cNvSpPr>
             <a:spLocks noGrp="1"/>
           </p:cNvSpPr>
@@ -2145,7 +2145,7 @@
     </p:spTree>
     <p:extLst>
       <p:ext uri="{BB962C8B-B14F-4D97-AF65-F5344CB8AC3E}">
-        <p14:creationId xmlns:p14="http://schemas.microsoft.com/office/powerpoint/2010/main" val="3463388512"/>
+        <p14:creationId xmlns:p14="http://schemas.microsoft.com/office/powerpoint/2010/main" val="4027309591"/>
       </p:ext>
     </p:extLst>
   </p:cSld>
@@ -2174,7 +2174,7 @@
       </p:grpSpPr>
       <p:sp>
         <p:nvSpPr>
-          <p:cNvPr id="2" name="Дата 1"/>
+          <p:cNvPr id="2" name="Date Placeholder 1"/>
           <p:cNvSpPr>
             <a:spLocks noGrp="1"/>
           </p:cNvSpPr>
@@ -2197,7 +2197,7 @@
       </p:sp>
       <p:sp>
         <p:nvSpPr>
-          <p:cNvPr id="3" name="Нижний колонтитул 2"/>
+          <p:cNvPr id="3" name="Footer Placeholder 2"/>
           <p:cNvSpPr>
             <a:spLocks noGrp="1"/>
           </p:cNvSpPr>
@@ -2216,7 +2216,7 @@
       </p:sp>
       <p:sp>
         <p:nvSpPr>
-          <p:cNvPr id="4" name="Номер слайда 3"/>
+          <p:cNvPr id="4" name="Slide Number Placeholder 3"/>
           <p:cNvSpPr>
             <a:spLocks noGrp="1"/>
           </p:cNvSpPr>
@@ -2240,7 +2240,7 @@
     </p:spTree>
     <p:extLst>
       <p:ext uri="{BB962C8B-B14F-4D97-AF65-F5344CB8AC3E}">
-        <p14:creationId xmlns:p14="http://schemas.microsoft.com/office/powerpoint/2010/main" val="1363073219"/>
+        <p14:creationId xmlns:p14="http://schemas.microsoft.com/office/powerpoint/2010/main" val="2055451268"/>
       </p:ext>
     </p:extLst>
   </p:cSld>
@@ -2269,7 +2269,7 @@
       </p:grpSpPr>
       <p:sp>
         <p:nvSpPr>
-          <p:cNvPr id="2" name="Заголовок 1"/>
+          <p:cNvPr id="2" name="Title 1"/>
           <p:cNvSpPr>
             <a:spLocks noGrp="1"/>
           </p:cNvSpPr>
@@ -2295,13 +2295,13 @@
               <a:rPr lang="ru-RU" smtClean="0"/>
               <a:t>Образец заголовка</a:t>
             </a:r>
-            <a:endParaRPr lang="ru-RU"/>
-          </a:p>
-        </p:txBody>
-      </p:sp>
-      <p:sp>
-        <p:nvSpPr>
-          <p:cNvPr id="3" name="Объект 2"/>
+            <a:endParaRPr lang="en-US" dirty="0"/>
+          </a:p>
+        </p:txBody>
+      </p:sp>
+      <p:sp>
+        <p:nvSpPr>
+          <p:cNvPr id="3" name="Content Placeholder 2"/>
           <p:cNvSpPr>
             <a:spLocks noGrp="1"/>
           </p:cNvSpPr>
@@ -2380,13 +2380,13 @@
               <a:rPr lang="ru-RU" smtClean="0"/>
               <a:t>Пятый уровень</a:t>
             </a:r>
-            <a:endParaRPr lang="ru-RU"/>
-          </a:p>
-        </p:txBody>
-      </p:sp>
-      <p:sp>
-        <p:nvSpPr>
-          <p:cNvPr id="4" name="Текст 3"/>
+            <a:endParaRPr lang="en-US" dirty="0"/>
+          </a:p>
+        </p:txBody>
+      </p:sp>
+      <p:sp>
+        <p:nvSpPr>
+          <p:cNvPr id="4" name="Text Placeholder 3"/>
           <p:cNvSpPr>
             <a:spLocks noGrp="1"/>
           </p:cNvSpPr>
@@ -2451,7 +2451,7 @@
       </p:sp>
       <p:sp>
         <p:nvSpPr>
-          <p:cNvPr id="5" name="Дата 4"/>
+          <p:cNvPr id="5" name="Date Placeholder 4"/>
           <p:cNvSpPr>
             <a:spLocks noGrp="1"/>
           </p:cNvSpPr>
@@ -2474,7 +2474,7 @@
       </p:sp>
       <p:sp>
         <p:nvSpPr>
-          <p:cNvPr id="6" name="Нижний колонтитул 5"/>
+          <p:cNvPr id="6" name="Footer Placeholder 5"/>
           <p:cNvSpPr>
             <a:spLocks noGrp="1"/>
           </p:cNvSpPr>
@@ -2493,7 +2493,7 @@
       </p:sp>
       <p:sp>
         <p:nvSpPr>
-          <p:cNvPr id="7" name="Номер слайда 6"/>
+          <p:cNvPr id="7" name="Slide Number Placeholder 6"/>
           <p:cNvSpPr>
             <a:spLocks noGrp="1"/>
           </p:cNvSpPr>
@@ -2517,7 +2517,7 @@
     </p:spTree>
     <p:extLst>
       <p:ext uri="{BB962C8B-B14F-4D97-AF65-F5344CB8AC3E}">
-        <p14:creationId xmlns:p14="http://schemas.microsoft.com/office/powerpoint/2010/main" val="1023700568"/>
+        <p14:creationId xmlns:p14="http://schemas.microsoft.com/office/powerpoint/2010/main" val="2587429378"/>
       </p:ext>
     </p:extLst>
   </p:cSld>
@@ -2546,7 +2546,7 @@
       </p:grpSpPr>
       <p:sp>
         <p:nvSpPr>
-          <p:cNvPr id="2" name="Заголовок 1"/>
+          <p:cNvPr id="2" name="Title 1"/>
           <p:cNvSpPr>
             <a:spLocks noGrp="1"/>
           </p:cNvSpPr>
@@ -2572,15 +2572,15 @@
               <a:rPr lang="ru-RU" smtClean="0"/>
               <a:t>Образец заголовка</a:t>
             </a:r>
-            <a:endParaRPr lang="ru-RU"/>
-          </a:p>
-        </p:txBody>
-      </p:sp>
-      <p:sp>
-        <p:nvSpPr>
-          <p:cNvPr id="3" name="Рисунок 2"/>
+            <a:endParaRPr lang="en-US" dirty="0"/>
+          </a:p>
+        </p:txBody>
+      </p:sp>
+      <p:sp>
+        <p:nvSpPr>
+          <p:cNvPr id="3" name="Picture Placeholder 2"/>
           <p:cNvSpPr>
-            <a:spLocks noGrp="1"/>
+            <a:spLocks noGrp="1" noChangeAspect="1"/>
           </p:cNvSpPr>
           <p:nvPr>
             <p:ph type="pic" idx="1"/>
@@ -2593,7 +2593,7 @@
           </a:xfrm>
         </p:spPr>
         <p:txBody>
-          <a:bodyPr/>
+          <a:bodyPr anchor="t"/>
           <a:lstStyle>
             <a:lvl1pPr marL="0" indent="0">
               <a:buNone/>
@@ -2633,13 +2633,17 @@
             </a:lvl9pPr>
           </a:lstStyle>
           <a:p>
-            <a:endParaRPr lang="ru-RU"/>
-          </a:p>
-        </p:txBody>
-      </p:sp>
-      <p:sp>
-        <p:nvSpPr>
-          <p:cNvPr id="4" name="Текст 3"/>
+            <a:r>
+              <a:rPr lang="ru-RU" smtClean="0"/>
+              <a:t>Вставка рисунка</a:t>
+            </a:r>
+            <a:endParaRPr lang="en-US" dirty="0"/>
+          </a:p>
+        </p:txBody>
+      </p:sp>
+      <p:sp>
+        <p:nvSpPr>
+          <p:cNvPr id="4" name="Text Placeholder 3"/>
           <p:cNvSpPr>
             <a:spLocks noGrp="1"/>
           </p:cNvSpPr>
@@ -2704,7 +2708,7 @@
       </p:sp>
       <p:sp>
         <p:nvSpPr>
-          <p:cNvPr id="5" name="Дата 4"/>
+          <p:cNvPr id="5" name="Date Placeholder 4"/>
           <p:cNvSpPr>
             <a:spLocks noGrp="1"/>
           </p:cNvSpPr>
@@ -2727,7 +2731,7 @@
       </p:sp>
       <p:sp>
         <p:nvSpPr>
-          <p:cNvPr id="6" name="Нижний колонтитул 5"/>
+          <p:cNvPr id="6" name="Footer Placeholder 5"/>
           <p:cNvSpPr>
             <a:spLocks noGrp="1"/>
           </p:cNvSpPr>
@@ -2746,7 +2750,7 @@
       </p:sp>
       <p:sp>
         <p:nvSpPr>
-          <p:cNvPr id="7" name="Номер слайда 6"/>
+          <p:cNvPr id="7" name="Slide Number Placeholder 6"/>
           <p:cNvSpPr>
             <a:spLocks noGrp="1"/>
           </p:cNvSpPr>
@@ -2770,7 +2774,7 @@
     </p:spTree>
     <p:extLst>
       <p:ext uri="{BB962C8B-B14F-4D97-AF65-F5344CB8AC3E}">
-        <p14:creationId xmlns:p14="http://schemas.microsoft.com/office/powerpoint/2010/main" val="775765325"/>
+        <p14:creationId xmlns:p14="http://schemas.microsoft.com/office/powerpoint/2010/main" val="1556392686"/>
       </p:ext>
     </p:extLst>
   </p:cSld>
@@ -2804,7 +2808,7 @@
       </p:grpSpPr>
       <p:sp>
         <p:nvSpPr>
-          <p:cNvPr id="2" name="Заголовок 1"/>
+          <p:cNvPr id="2" name="Title Placeholder 1"/>
           <p:cNvSpPr>
             <a:spLocks noGrp="1"/>
           </p:cNvSpPr>
@@ -2831,13 +2835,13 @@
               <a:rPr lang="ru-RU" smtClean="0"/>
               <a:t>Образец заголовка</a:t>
             </a:r>
-            <a:endParaRPr lang="ru-RU"/>
-          </a:p>
-        </p:txBody>
-      </p:sp>
-      <p:sp>
-        <p:nvSpPr>
-          <p:cNvPr id="3" name="Текст 2"/>
+            <a:endParaRPr lang="en-US" dirty="0"/>
+          </a:p>
+        </p:txBody>
+      </p:sp>
+      <p:sp>
+        <p:nvSpPr>
+          <p:cNvPr id="3" name="Text Placeholder 2"/>
           <p:cNvSpPr>
             <a:spLocks noGrp="1"/>
           </p:cNvSpPr>
@@ -2893,13 +2897,13 @@
               <a:rPr lang="ru-RU" smtClean="0"/>
               <a:t>Пятый уровень</a:t>
             </a:r>
-            <a:endParaRPr lang="ru-RU"/>
-          </a:p>
-        </p:txBody>
-      </p:sp>
-      <p:sp>
-        <p:nvSpPr>
-          <p:cNvPr id="4" name="Дата 3"/>
+            <a:endParaRPr lang="en-US" dirty="0"/>
+          </a:p>
+        </p:txBody>
+      </p:sp>
+      <p:sp>
+        <p:nvSpPr>
+          <p:cNvPr id="4" name="Date Placeholder 3"/>
           <p:cNvSpPr>
             <a:spLocks noGrp="1"/>
           </p:cNvSpPr>
@@ -2940,7 +2944,7 @@
       </p:sp>
       <p:sp>
         <p:nvSpPr>
-          <p:cNvPr id="5" name="Нижний колонтитул 4"/>
+          <p:cNvPr id="5" name="Footer Placeholder 4"/>
           <p:cNvSpPr>
             <a:spLocks noGrp="1"/>
           </p:cNvSpPr>
@@ -2977,7 +2981,7 @@
       </p:sp>
       <p:sp>
         <p:nvSpPr>
-          <p:cNvPr id="6" name="Номер слайда 5"/>
+          <p:cNvPr id="6" name="Slide Number Placeholder 5"/>
           <p:cNvSpPr>
             <a:spLocks noGrp="1"/>
           </p:cNvSpPr>
@@ -3019,23 +3023,23 @@
     </p:spTree>
     <p:extLst>
       <p:ext uri="{BB962C8B-B14F-4D97-AF65-F5344CB8AC3E}">
-        <p14:creationId xmlns:p14="http://schemas.microsoft.com/office/powerpoint/2010/main" val="2870201167"/>
+        <p14:creationId xmlns:p14="http://schemas.microsoft.com/office/powerpoint/2010/main" val="459982713"/>
       </p:ext>
     </p:extLst>
   </p:cSld>
   <p:clrMap bg1="lt1" tx1="dk1" bg2="lt2" tx2="dk2" accent1="accent1" accent2="accent2" accent3="accent3" accent4="accent4" accent5="accent5" accent6="accent6" hlink="hlink" folHlink="folHlink"/>
   <p:sldLayoutIdLst>
-    <p:sldLayoutId id="2147483649" r:id="rId1"/>
-    <p:sldLayoutId id="2147483650" r:id="rId2"/>
-    <p:sldLayoutId id="2147483651" r:id="rId3"/>
-    <p:sldLayoutId id="2147483652" r:id="rId4"/>
-    <p:sldLayoutId id="2147483653" r:id="rId5"/>
-    <p:sldLayoutId id="2147483654" r:id="rId6"/>
-    <p:sldLayoutId id="2147483655" r:id="rId7"/>
-    <p:sldLayoutId id="2147483656" r:id="rId8"/>
-    <p:sldLayoutId id="2147483657" r:id="rId9"/>
-    <p:sldLayoutId id="2147483658" r:id="rId10"/>
-    <p:sldLayoutId id="2147483659" r:id="rId11"/>
+    <p:sldLayoutId id="2147483791" r:id="rId1"/>
+    <p:sldLayoutId id="2147483792" r:id="rId2"/>
+    <p:sldLayoutId id="2147483793" r:id="rId3"/>
+    <p:sldLayoutId id="2147483794" r:id="rId4"/>
+    <p:sldLayoutId id="2147483795" r:id="rId5"/>
+    <p:sldLayoutId id="2147483796" r:id="rId6"/>
+    <p:sldLayoutId id="2147483797" r:id="rId7"/>
+    <p:sldLayoutId id="2147483798" r:id="rId8"/>
+    <p:sldLayoutId id="2147483799" r:id="rId9"/>
+    <p:sldLayoutId id="2147483800" r:id="rId10"/>
+    <p:sldLayoutId id="2147483801" r:id="rId11"/>
   </p:sldLayoutIdLst>
   <p:hf hdr="0" ftr="0" dt="0"/>
   <p:txStyles>
@@ -3224,7 +3228,7 @@
     </p:bodyStyle>
     <p:otherStyle>
       <a:defPPr>
-        <a:defRPr lang="ru-RU"/>
+        <a:defRPr lang="en-US"/>
       </a:defPPr>
       <a:lvl1pPr marL="0" algn="l" defTabSz="914400" rtl="0" eaLnBrk="1" latinLnBrk="0" hangingPunct="1">
         <a:defRPr sz="1800" kern="1200">
@@ -6029,12 +6033,7 @@
             <p:ph type="sldNum" sz="quarter" idx="12"/>
           </p:nvPr>
         </p:nvSpPr>
-        <p:spPr>
-          <a:xfrm>
-            <a:off x="8610600" y="6356350"/>
-            <a:ext cx="2743200" cy="365125"/>
-          </a:xfrm>
-        </p:spPr>
+        <p:spPr/>
         <p:txBody>
           <a:bodyPr/>
           <a:lstStyle/>
@@ -6535,7 +6534,7 @@
       </p:sp>
       <p:pic>
         <p:nvPicPr>
-          <p:cNvPr id="4" name="Рисунок 3"/>
+          <p:cNvPr id="5" name="Рисунок 4"/>
           <p:cNvPicPr>
             <a:picLocks noChangeAspect="1"/>
           </p:cNvPicPr>
@@ -6549,13 +6548,13 @@
               </a:ext>
             </a:extLst>
           </a:blip>
-          <a:srcRect t="22945" r="12616" b="24541"/>
+          <a:srcRect r="15000"/>
           <a:stretch/>
         </p:blipFill>
         <p:spPr>
           <a:xfrm>
-            <a:off x="0" y="1915885"/>
-            <a:ext cx="12001975" cy="3901440"/>
+            <a:off x="0" y="1822750"/>
+            <a:ext cx="12113624" cy="4060501"/>
           </a:xfrm>
           <a:prstGeom prst="rect">
             <a:avLst/>
@@ -6686,84 +6685,56 @@
                 <a:latin typeface="Times New Roman" panose="02020603050405020304" pitchFamily="18" charset="0"/>
                 <a:cs typeface="Times New Roman" panose="02020603050405020304" pitchFamily="18" charset="0"/>
               </a:rPr>
-              <a:t> отражает </a:t>
+              <a:t> отражает вертикальные черты изображения</a:t>
+            </a:r>
+            <a:r>
+              <a:rPr lang="en-US" sz="2000" dirty="0" smtClean="0">
+                <a:latin typeface="Times New Roman" panose="02020603050405020304" pitchFamily="18" charset="0"/>
+                <a:cs typeface="Times New Roman" panose="02020603050405020304" pitchFamily="18" charset="0"/>
+              </a:rPr>
+              <a:t> (HL)</a:t>
             </a:r>
             <a:r>
               <a:rPr lang="ru-RU" sz="2000" dirty="0" smtClean="0">
                 <a:latin typeface="Times New Roman" panose="02020603050405020304" pitchFamily="18" charset="0"/>
                 <a:cs typeface="Times New Roman" panose="02020603050405020304" pitchFamily="18" charset="0"/>
               </a:rPr>
-              <a:t>вертикальные </a:t>
+              <a:t>, правый нижний – диагональные</a:t>
+            </a:r>
+            <a:r>
+              <a:rPr lang="en-US" sz="2000" dirty="0" smtClean="0">
+                <a:latin typeface="Times New Roman" panose="02020603050405020304" pitchFamily="18" charset="0"/>
+                <a:cs typeface="Times New Roman" panose="02020603050405020304" pitchFamily="18" charset="0"/>
+              </a:rPr>
+              <a:t> (</a:t>
+            </a:r>
+            <a:r>
+              <a:rPr lang="en-US" sz="2000" dirty="0">
+                <a:latin typeface="Times New Roman" panose="02020603050405020304" pitchFamily="18" charset="0"/>
+                <a:cs typeface="Times New Roman" panose="02020603050405020304" pitchFamily="18" charset="0"/>
+              </a:rPr>
+              <a:t>H</a:t>
+            </a:r>
+            <a:r>
+              <a:rPr lang="en-US" sz="2000" dirty="0" smtClean="0">
+                <a:latin typeface="Times New Roman" panose="02020603050405020304" pitchFamily="18" charset="0"/>
+                <a:cs typeface="Times New Roman" panose="02020603050405020304" pitchFamily="18" charset="0"/>
+              </a:rPr>
+              <a:t>H)</a:t>
             </a:r>
             <a:r>
               <a:rPr lang="ru-RU" sz="2000" dirty="0" smtClean="0">
                 <a:latin typeface="Times New Roman" panose="02020603050405020304" pitchFamily="18" charset="0"/>
                 <a:cs typeface="Times New Roman" panose="02020603050405020304" pitchFamily="18" charset="0"/>
               </a:rPr>
-              <a:t>черты изображения</a:t>
+              <a:t>, нижний левый – горизонтальные </a:t>
             </a:r>
             <a:r>
               <a:rPr lang="en-US" sz="2000" dirty="0" smtClean="0">
                 <a:latin typeface="Times New Roman" panose="02020603050405020304" pitchFamily="18" charset="0"/>
                 <a:cs typeface="Times New Roman" panose="02020603050405020304" pitchFamily="18" charset="0"/>
               </a:rPr>
-              <a:t> (HL)</a:t>
-            </a:r>
-            <a:r>
-              <a:rPr lang="ru-RU" sz="2000" dirty="0" smtClean="0">
-                <a:latin typeface="Times New Roman" panose="02020603050405020304" pitchFamily="18" charset="0"/>
-                <a:cs typeface="Times New Roman" panose="02020603050405020304" pitchFamily="18" charset="0"/>
-              </a:rPr>
-              <a:t>, правый нижний – диагональные</a:t>
-            </a:r>
-            <a:r>
-              <a:rPr lang="en-US" sz="2000" dirty="0" smtClean="0">
-                <a:latin typeface="Times New Roman" panose="02020603050405020304" pitchFamily="18" charset="0"/>
-                <a:cs typeface="Times New Roman" panose="02020603050405020304" pitchFamily="18" charset="0"/>
-              </a:rPr>
-              <a:t> (</a:t>
-            </a:r>
-            <a:r>
-              <a:rPr lang="en-US" sz="2000" dirty="0">
-                <a:latin typeface="Times New Roman" panose="02020603050405020304" pitchFamily="18" charset="0"/>
-                <a:cs typeface="Times New Roman" panose="02020603050405020304" pitchFamily="18" charset="0"/>
-              </a:rPr>
-              <a:t>H</a:t>
-            </a:r>
-            <a:r>
-              <a:rPr lang="en-US" sz="2000" dirty="0" smtClean="0">
-                <a:latin typeface="Times New Roman" panose="02020603050405020304" pitchFamily="18" charset="0"/>
-                <a:cs typeface="Times New Roman" panose="02020603050405020304" pitchFamily="18" charset="0"/>
-              </a:rPr>
-              <a:t>H)</a:t>
-            </a:r>
-            <a:r>
-              <a:rPr lang="ru-RU" sz="2000" dirty="0" smtClean="0">
-                <a:latin typeface="Times New Roman" panose="02020603050405020304" pitchFamily="18" charset="0"/>
-                <a:cs typeface="Times New Roman" panose="02020603050405020304" pitchFamily="18" charset="0"/>
-              </a:rPr>
-              <a:t>, нижний левый – </a:t>
-            </a:r>
-            <a:r>
-              <a:rPr lang="ru-RU" sz="2000" dirty="0" smtClean="0">
-                <a:latin typeface="Times New Roman" panose="02020603050405020304" pitchFamily="18" charset="0"/>
-                <a:cs typeface="Times New Roman" panose="02020603050405020304" pitchFamily="18" charset="0"/>
-              </a:rPr>
-              <a:t>горизонтальные </a:t>
-            </a:r>
-            <a:r>
-              <a:rPr lang="en-US" sz="2000" dirty="0" smtClean="0">
-                <a:latin typeface="Times New Roman" panose="02020603050405020304" pitchFamily="18" charset="0"/>
-                <a:cs typeface="Times New Roman" panose="02020603050405020304" pitchFamily="18" charset="0"/>
-              </a:rPr>
-              <a:t>(LH</a:t>
-            </a:r>
-            <a:r>
-              <a:rPr lang="en-US" sz="2000" dirty="0" smtClean="0">
-                <a:latin typeface="Times New Roman" panose="02020603050405020304" pitchFamily="18" charset="0"/>
-                <a:cs typeface="Times New Roman" panose="02020603050405020304" pitchFamily="18" charset="0"/>
-              </a:rPr>
-              <a:t>)</a:t>
+              <a:t>(LH)</a:t>
             </a:r>
             <a:r>
               <a:rPr lang="ru-RU" sz="2000" dirty="0" smtClean="0">
@@ -9764,9 +9735,9 @@
 </file>
 
 <file path=ppt/theme/theme1.xml><?xml version="1.0" encoding="utf-8"?>
-<a:theme xmlns:a="http://schemas.openxmlformats.org/drawingml/2006/main" name="Тема Office">
+<a:theme xmlns:a="http://schemas.openxmlformats.org/drawingml/2006/main" name="Office Theme">
   <a:themeElements>
-    <a:clrScheme name="Стандартная">
+    <a:clrScheme name="Тема Office">
       <a:dk1>
         <a:sysClr val="windowText" lastClr="000000"/>
       </a:dk1>
@@ -9804,7 +9775,7 @@
         <a:srgbClr val="954F72"/>
       </a:folHlink>
     </a:clrScheme>
-    <a:fontScheme name="Стандартная">
+    <a:fontScheme name="Тема Office">
       <a:majorFont>
         <a:latin typeface="Calibri Light" panose="020F0302020204030204"/>
         <a:ea typeface=""/>
@@ -9876,7 +9847,7 @@
         <a:font script="Geor" typeface="Sylfaen"/>
       </a:minorFont>
     </a:fontScheme>
-    <a:fmtScheme name="Стандартная">
+    <a:fmtScheme name="Тема Office">
       <a:fillStyleLst>
         <a:solidFill>
           <a:schemeClr val="phClr"/>
